--- a/Metrowest Developers ML Group 2020-02-26/03 model-based-rl.pptx
+++ b/Metrowest Developers ML Group 2020-02-26/03 model-based-rl.pptx
@@ -171,6 +171,11 @@
       </a:defRPr>
     </a:lvl9pPr>
   </p:defaultTextStyle>
+  <p:extLst>
+    <p:ext uri="{EFAFB233-063F-42B5-8137-9DF3F51BA10A}">
+      <p15:sldGuideLst xmlns:p15="http://schemas.microsoft.com/office/powerpoint/2012/main"/>
+    </p:ext>
+  </p:extLst>
 </p:presentation>
 </file>
 
@@ -256,7 +261,7 @@
           <a:p>
             <a:fld id="{CA7288C8-D893-4767-97B7-8144FF029588}" type="datetimeFigureOut">
               <a:rPr lang="en-US" smtClean="0"/>
-              <a:t>2/26/2020</a:t>
+              <a:t>3/9/2020</a:t>
             </a:fld>
             <a:endParaRPr lang="en-US"/>
           </a:p>
@@ -3254,7 +3259,7 @@
           <a:p>
             <a:fld id="{E0F58C23-A35D-4221-A4BB-48C7F171C4C9}" type="datetimeFigureOut">
               <a:rPr lang="en-US" smtClean="0"/>
-              <a:t>2/26/2020</a:t>
+              <a:t>3/9/2020</a:t>
             </a:fld>
             <a:endParaRPr lang="en-US"/>
           </a:p>
@@ -3452,7 +3457,7 @@
           <a:p>
             <a:fld id="{E0F58C23-A35D-4221-A4BB-48C7F171C4C9}" type="datetimeFigureOut">
               <a:rPr lang="en-US" smtClean="0"/>
-              <a:t>2/26/2020</a:t>
+              <a:t>3/9/2020</a:t>
             </a:fld>
             <a:endParaRPr lang="en-US"/>
           </a:p>
@@ -3660,7 +3665,7 @@
           <a:p>
             <a:fld id="{E0F58C23-A35D-4221-A4BB-48C7F171C4C9}" type="datetimeFigureOut">
               <a:rPr lang="en-US" smtClean="0"/>
-              <a:t>2/26/2020</a:t>
+              <a:t>3/9/2020</a:t>
             </a:fld>
             <a:endParaRPr lang="en-US"/>
           </a:p>
@@ -3924,7 +3929,7 @@
           <a:p>
             <a:fld id="{661426A2-CAF7-4D87-A16C-7302523A6343}" type="datetimeFigureOut">
               <a:rPr lang="en-US" smtClean="0"/>
-              <a:t>2/26/2020</a:t>
+              <a:t>3/9/2020</a:t>
             </a:fld>
             <a:endParaRPr lang="en-US"/>
           </a:p>
@@ -4269,7 +4274,7 @@
           <a:p>
             <a:fld id="{661426A2-CAF7-4D87-A16C-7302523A6343}" type="datetimeFigureOut">
               <a:rPr lang="en-US" smtClean="0"/>
-              <a:t>2/26/2020</a:t>
+              <a:t>3/9/2020</a:t>
             </a:fld>
             <a:endParaRPr lang="en-US"/>
           </a:p>
@@ -4519,7 +4524,7 @@
           <a:p>
             <a:fld id="{661426A2-CAF7-4D87-A16C-7302523A6343}" type="datetimeFigureOut">
               <a:rPr lang="en-US" smtClean="0"/>
-              <a:t>2/26/2020</a:t>
+              <a:t>3/9/2020</a:t>
             </a:fld>
             <a:endParaRPr lang="en-US"/>
           </a:p>
@@ -4755,7 +4760,7 @@
           <a:p>
             <a:fld id="{661426A2-CAF7-4D87-A16C-7302523A6343}" type="datetimeFigureOut">
               <a:rPr lang="en-US" smtClean="0"/>
-              <a:t>2/26/2020</a:t>
+              <a:t>3/9/2020</a:t>
             </a:fld>
             <a:endParaRPr lang="en-US"/>
           </a:p>
@@ -5137,7 +5142,7 @@
           <a:p>
             <a:fld id="{661426A2-CAF7-4D87-A16C-7302523A6343}" type="datetimeFigureOut">
               <a:rPr lang="en-US" smtClean="0"/>
-              <a:t>2/26/2020</a:t>
+              <a:t>3/9/2020</a:t>
             </a:fld>
             <a:endParaRPr lang="en-US"/>
           </a:p>
@@ -5255,7 +5260,7 @@
           <a:p>
             <a:fld id="{661426A2-CAF7-4D87-A16C-7302523A6343}" type="datetimeFigureOut">
               <a:rPr lang="en-US" smtClean="0"/>
-              <a:t>2/26/2020</a:t>
+              <a:t>3/9/2020</a:t>
             </a:fld>
             <a:endParaRPr lang="en-US"/>
           </a:p>
@@ -5350,7 +5355,7 @@
           <a:p>
             <a:fld id="{661426A2-CAF7-4D87-A16C-7302523A6343}" type="datetimeFigureOut">
               <a:rPr lang="en-US" smtClean="0"/>
-              <a:t>2/26/2020</a:t>
+              <a:t>3/9/2020</a:t>
             </a:fld>
             <a:endParaRPr lang="en-US"/>
           </a:p>
@@ -5605,7 +5610,7 @@
           <a:p>
             <a:fld id="{661426A2-CAF7-4D87-A16C-7302523A6343}" type="datetimeFigureOut">
               <a:rPr lang="en-US" smtClean="0"/>
-              <a:t>2/26/2020</a:t>
+              <a:t>3/9/2020</a:t>
             </a:fld>
             <a:endParaRPr lang="en-US"/>
           </a:p>
@@ -5791,7 +5796,7 @@
           <a:p>
             <a:fld id="{E0F58C23-A35D-4221-A4BB-48C7F171C4C9}" type="datetimeFigureOut">
               <a:rPr lang="en-US" smtClean="0"/>
-              <a:t>2/26/2020</a:t>
+              <a:t>3/9/2020</a:t>
             </a:fld>
             <a:endParaRPr lang="en-US"/>
           </a:p>
@@ -6086,7 +6091,7 @@
           <a:p>
             <a:fld id="{661426A2-CAF7-4D87-A16C-7302523A6343}" type="datetimeFigureOut">
               <a:rPr lang="en-US" smtClean="0"/>
-              <a:t>2/26/2020</a:t>
+              <a:t>3/9/2020</a:t>
             </a:fld>
             <a:endParaRPr lang="en-US"/>
           </a:p>
@@ -6347,7 +6352,7 @@
           <a:p>
             <a:fld id="{661426A2-CAF7-4D87-A16C-7302523A6343}" type="datetimeFigureOut">
               <a:rPr lang="en-US" smtClean="0"/>
-              <a:t>2/26/2020</a:t>
+              <a:t>3/9/2020</a:t>
             </a:fld>
             <a:endParaRPr lang="en-US"/>
           </a:p>
@@ -6597,7 +6602,7 @@
           <a:p>
             <a:fld id="{661426A2-CAF7-4D87-A16C-7302523A6343}" type="datetimeFigureOut">
               <a:rPr lang="en-US" smtClean="0"/>
-              <a:t>2/26/2020</a:t>
+              <a:t>3/9/2020</a:t>
             </a:fld>
             <a:endParaRPr lang="en-US"/>
           </a:p>
@@ -6905,7 +6910,7 @@
           <a:p>
             <a:fld id="{661426A2-CAF7-4D87-A16C-7302523A6343}" type="datetimeFigureOut">
               <a:rPr lang="en-US" smtClean="0"/>
-              <a:t>2/26/2020</a:t>
+              <a:t>3/9/2020</a:t>
             </a:fld>
             <a:endParaRPr lang="en-US"/>
           </a:p>
@@ -7223,7 +7228,7 @@
           <a:p>
             <a:fld id="{661426A2-CAF7-4D87-A16C-7302523A6343}" type="datetimeFigureOut">
               <a:rPr lang="en-US" smtClean="0"/>
-              <a:t>2/26/2020</a:t>
+              <a:t>3/9/2020</a:t>
             </a:fld>
             <a:endParaRPr lang="en-US"/>
           </a:p>
@@ -7525,7 +7530,7 @@
           <a:p>
             <a:fld id="{661426A2-CAF7-4D87-A16C-7302523A6343}" type="datetimeFigureOut">
               <a:rPr lang="en-US" smtClean="0"/>
-              <a:t>2/26/2020</a:t>
+              <a:t>3/9/2020</a:t>
             </a:fld>
             <a:endParaRPr lang="en-US"/>
           </a:p>
@@ -7892,7 +7897,7 @@
           <a:p>
             <a:fld id="{661426A2-CAF7-4D87-A16C-7302523A6343}" type="datetimeFigureOut">
               <a:rPr lang="en-US" smtClean="0"/>
-              <a:t>2/26/2020</a:t>
+              <a:t>3/9/2020</a:t>
             </a:fld>
             <a:endParaRPr lang="en-US"/>
           </a:p>
@@ -8066,7 +8071,7 @@
           <a:p>
             <a:fld id="{661426A2-CAF7-4D87-A16C-7302523A6343}" type="datetimeFigureOut">
               <a:rPr lang="en-US" smtClean="0"/>
-              <a:t>2/26/2020</a:t>
+              <a:t>3/9/2020</a:t>
             </a:fld>
             <a:endParaRPr lang="en-US"/>
           </a:p>
@@ -8246,7 +8251,7 @@
           <a:p>
             <a:fld id="{661426A2-CAF7-4D87-A16C-7302523A6343}" type="datetimeFigureOut">
               <a:rPr lang="en-US" smtClean="0"/>
-              <a:t>2/26/2020</a:t>
+              <a:t>3/9/2020</a:t>
             </a:fld>
             <a:endParaRPr lang="en-US"/>
           </a:p>
@@ -8509,7 +8514,7 @@
           <a:p>
             <a:fld id="{E0F58C23-A35D-4221-A4BB-48C7F171C4C9}" type="datetimeFigureOut">
               <a:rPr lang="en-US" smtClean="0"/>
-              <a:t>2/26/2020</a:t>
+              <a:t>3/9/2020</a:t>
             </a:fld>
             <a:endParaRPr lang="en-US"/>
           </a:p>
@@ -8774,7 +8779,7 @@
           <a:p>
             <a:fld id="{E0F58C23-A35D-4221-A4BB-48C7F171C4C9}" type="datetimeFigureOut">
               <a:rPr lang="en-US" smtClean="0"/>
-              <a:t>2/26/2020</a:t>
+              <a:t>3/9/2020</a:t>
             </a:fld>
             <a:endParaRPr lang="en-US"/>
           </a:p>
@@ -9186,7 +9191,7 @@
           <a:p>
             <a:fld id="{E0F58C23-A35D-4221-A4BB-48C7F171C4C9}" type="datetimeFigureOut">
               <a:rPr lang="en-US" smtClean="0"/>
-              <a:t>2/26/2020</a:t>
+              <a:t>3/9/2020</a:t>
             </a:fld>
             <a:endParaRPr lang="en-US"/>
           </a:p>
@@ -9327,7 +9332,7 @@
           <a:p>
             <a:fld id="{E0F58C23-A35D-4221-A4BB-48C7F171C4C9}" type="datetimeFigureOut">
               <a:rPr lang="en-US" smtClean="0"/>
-              <a:t>2/26/2020</a:t>
+              <a:t>3/9/2020</a:t>
             </a:fld>
             <a:endParaRPr lang="en-US"/>
           </a:p>
@@ -9440,7 +9445,7 @@
           <a:p>
             <a:fld id="{E0F58C23-A35D-4221-A4BB-48C7F171C4C9}" type="datetimeFigureOut">
               <a:rPr lang="en-US" smtClean="0"/>
-              <a:t>2/26/2020</a:t>
+              <a:t>3/9/2020</a:t>
             </a:fld>
             <a:endParaRPr lang="en-US"/>
           </a:p>
@@ -9751,7 +9756,7 @@
           <a:p>
             <a:fld id="{E0F58C23-A35D-4221-A4BB-48C7F171C4C9}" type="datetimeFigureOut">
               <a:rPr lang="en-US" smtClean="0"/>
-              <a:t>2/26/2020</a:t>
+              <a:t>3/9/2020</a:t>
             </a:fld>
             <a:endParaRPr lang="en-US"/>
           </a:p>
@@ -10039,7 +10044,7 @@
           <a:p>
             <a:fld id="{E0F58C23-A35D-4221-A4BB-48C7F171C4C9}" type="datetimeFigureOut">
               <a:rPr lang="en-US" smtClean="0"/>
-              <a:t>2/26/2020</a:t>
+              <a:t>3/9/2020</a:t>
             </a:fld>
             <a:endParaRPr lang="en-US"/>
           </a:p>
@@ -10280,7 +10285,7 @@
           <a:p>
             <a:fld id="{E0F58C23-A35D-4221-A4BB-48C7F171C4C9}" type="datetimeFigureOut">
               <a:rPr lang="en-US" smtClean="0"/>
-              <a:t>2/26/2020</a:t>
+              <a:t>3/9/2020</a:t>
             </a:fld>
             <a:endParaRPr lang="en-US"/>
           </a:p>
@@ -11025,7 +11030,7 @@
           <a:p>
             <a:fld id="{661426A2-CAF7-4D87-A16C-7302523A6343}" type="datetimeFigureOut">
               <a:rPr lang="en-US" smtClean="0"/>
-              <a:t>2/26/2020</a:t>
+              <a:t>3/9/2020</a:t>
             </a:fld>
             <a:endParaRPr lang="en-US"/>
           </a:p>
@@ -13975,8 +13980,8 @@
           <a:chExt cx="0" cy="0"/>
         </a:xfrm>
       </p:grpSpPr>
-      <mc:AlternateContent xmlns:mc="http://schemas.openxmlformats.org/markup-compatibility/2006">
-        <mc:Choice xmlns:a14="http://schemas.microsoft.com/office/drawing/2010/main" Requires="a14">
+      <mc:AlternateContent xmlns:mc="http://schemas.openxmlformats.org/markup-compatibility/2006" xmlns:a14="http://schemas.microsoft.com/office/drawing/2010/main">
+        <mc:Choice Requires="a14">
           <p:sp>
             <p:nvSpPr>
               <p:cNvPr id="26626" name="Rectangle 3"/>
@@ -14153,7 +14158,7 @@
             </p:txBody>
           </p:sp>
         </mc:Choice>
-        <mc:Fallback>
+        <mc:Fallback xmlns="">
           <p:sp>
             <p:nvSpPr>
               <p:cNvPr id="26626" name="Rectangle 3"/>
@@ -14990,8 +14995,8 @@
           <a:chExt cx="0" cy="0"/>
         </a:xfrm>
       </p:grpSpPr>
-      <mc:AlternateContent xmlns:mc="http://schemas.openxmlformats.org/markup-compatibility/2006">
-        <mc:Choice xmlns:a14="http://schemas.microsoft.com/office/drawing/2010/main" Requires="a14">
+      <mc:AlternateContent xmlns:mc="http://schemas.openxmlformats.org/markup-compatibility/2006" xmlns:a14="http://schemas.microsoft.com/office/drawing/2010/main">
+        <mc:Choice Requires="a14">
           <p:sp>
             <p:nvSpPr>
               <p:cNvPr id="24578" name="Content Placeholder 2"/>
@@ -16058,7 +16063,7 @@
             </p:txBody>
           </p:sp>
         </mc:Choice>
-        <mc:Fallback>
+        <mc:Fallback xmlns="">
           <p:sp>
             <p:nvSpPr>
               <p:cNvPr id="24578" name="Content Placeholder 2"/>
@@ -21975,8 +21980,8 @@
           <a:chExt cx="0" cy="0"/>
         </a:xfrm>
       </p:grpSpPr>
-      <mc:AlternateContent xmlns:mc="http://schemas.openxmlformats.org/markup-compatibility/2006">
-        <mc:Choice xmlns:a14="http://schemas.microsoft.com/office/drawing/2010/main" Requires="a14">
+      <mc:AlternateContent xmlns:mc="http://schemas.openxmlformats.org/markup-compatibility/2006" xmlns:a14="http://schemas.microsoft.com/office/drawing/2010/main">
+        <mc:Choice Requires="a14">
           <p:sp>
             <p:nvSpPr>
               <p:cNvPr id="1757187" name="Rectangle 3"/>
@@ -22159,16 +22164,7 @@
                             </a:solidFill>
                             <a:latin typeface="Cambria Math" panose="02040503050406030204" pitchFamily="18" charset="0"/>
                           </a:rPr>
-                          <m:t>+</m:t>
-                        </m:r>
-                        <m:r>
-                          <a:rPr lang="en-US" sz="3100" b="0" i="1" smtClean="0">
-                            <a:solidFill>
-                              <a:schemeClr val="tx1"/>
-                            </a:solidFill>
-                            <a:latin typeface="Cambria Math" panose="02040503050406030204" pitchFamily="18" charset="0"/>
-                          </a:rPr>
-                          <m:t>1</m:t>
+                          <m:t>+1</m:t>
                         </m:r>
                       </m:sub>
                     </m:sSub>
@@ -22719,7 +22715,7 @@
             </p:txBody>
           </p:sp>
         </mc:Choice>
-        <mc:Fallback>
+        <mc:Fallback xmlns="">
           <p:sp>
             <p:nvSpPr>
               <p:cNvPr id="1757187" name="Rectangle 3"/>
@@ -24301,8 +24297,8 @@
           <a:chExt cx="0" cy="0"/>
         </a:xfrm>
       </p:grpSpPr>
-      <mc:AlternateContent xmlns:mc="http://schemas.openxmlformats.org/markup-compatibility/2006">
-        <mc:Choice xmlns:a14="http://schemas.microsoft.com/office/drawing/2010/main" Requires="a14">
+      <mc:AlternateContent xmlns:mc="http://schemas.openxmlformats.org/markup-compatibility/2006" xmlns:a14="http://schemas.microsoft.com/office/drawing/2010/main">
+        <mc:Choice Requires="a14">
           <p:sp>
             <p:nvSpPr>
               <p:cNvPr id="1757187" name="Rectangle 3"/>
@@ -25031,7 +25027,7 @@
             </p:txBody>
           </p:sp>
         </mc:Choice>
-        <mc:Fallback>
+        <mc:Fallback xmlns="">
           <p:sp>
             <p:nvSpPr>
               <p:cNvPr id="1757187" name="Rectangle 3"/>
@@ -29885,8 +29881,8 @@
           <a:chExt cx="0" cy="0"/>
         </a:xfrm>
       </p:grpSpPr>
-      <mc:AlternateContent xmlns:mc="http://schemas.openxmlformats.org/markup-compatibility/2006">
-        <mc:Choice xmlns:a14="http://schemas.microsoft.com/office/drawing/2010/main" Requires="a14">
+      <mc:AlternateContent xmlns:mc="http://schemas.openxmlformats.org/markup-compatibility/2006" xmlns:a14="http://schemas.microsoft.com/office/drawing/2010/main">
+        <mc:Choice Requires="a14">
           <p:sp>
             <p:nvSpPr>
               <p:cNvPr id="2" name="Title 1">
@@ -29939,7 +29935,7 @@
             </p:txBody>
           </p:sp>
         </mc:Choice>
-        <mc:Fallback>
+        <mc:Fallback xmlns="">
           <p:sp>
             <p:nvSpPr>
               <p:cNvPr id="2" name="Title 1">
@@ -31694,8 +31690,8 @@
           </a:p>
         </p:txBody>
       </p:sp>
-      <mc:AlternateContent xmlns:mc="http://schemas.openxmlformats.org/markup-compatibility/2006" xmlns:a14="http://schemas.microsoft.com/office/drawing/2010/main">
-        <mc:Choice Requires="a14">
+      <mc:AlternateContent xmlns:mc="http://schemas.openxmlformats.org/markup-compatibility/2006">
+        <mc:Choice xmlns:a14="http://schemas.microsoft.com/office/drawing/2010/main" Requires="a14">
           <p:sp>
             <p:nvSpPr>
               <p:cNvPr id="4" name="TextBox 3">
@@ -31710,8 +31706,8 @@
             </p:nvSpPr>
             <p:spPr>
               <a:xfrm>
-                <a:off x="953021" y="1726643"/>
-                <a:ext cx="10285958" cy="4578369"/>
+                <a:off x="1098878" y="1726643"/>
+                <a:ext cx="9609232" cy="4578369"/>
               </a:xfrm>
               <a:prstGeom prst="rect">
                 <a:avLst/>
@@ -31730,7 +31726,7 @@
                 </a:pPr>
                 <a:r>
                   <a:rPr lang="en-US" sz="2400" dirty="0"/>
-                  <a:t>Try every action in each state a number of times</a:t>
+                  <a:t>Try every action in each state several times</a:t>
                 </a:r>
               </a:p>
               <a:p>
@@ -32316,6 +32312,74 @@
                       <a:rPr lang="en-US" sz="2400" b="0" i="1" smtClean="0">
                         <a:latin typeface="Cambria Math" panose="02040503050406030204" pitchFamily="18" charset="0"/>
                       </a:rPr>
+                      <m:t>𝑃</m:t>
+                    </m:r>
+                    <m:d>
+                      <m:dPr>
+                        <m:ctrlPr>
+                          <a:rPr lang="en-US" sz="2400" b="0" i="1" smtClean="0">
+                            <a:latin typeface="Cambria Math" panose="02040503050406030204" pitchFamily="18" charset="0"/>
+                          </a:rPr>
+                        </m:ctrlPr>
+                      </m:dPr>
+                      <m:e>
+                        <m:sSup>
+                          <m:sSupPr>
+                            <m:ctrlPr>
+                              <a:rPr lang="en-US" sz="2400" b="0" i="1" smtClean="0">
+                                <a:latin typeface="Cambria Math" panose="02040503050406030204" pitchFamily="18" charset="0"/>
+                              </a:rPr>
+                            </m:ctrlPr>
+                          </m:sSupPr>
+                          <m:e>
+                            <m:r>
+                              <a:rPr lang="en-US" sz="2400" b="0" i="1" smtClean="0">
+                                <a:latin typeface="Cambria Math" panose="02040503050406030204" pitchFamily="18" charset="0"/>
+                              </a:rPr>
+                              <m:t>𝑠</m:t>
+                            </m:r>
+                          </m:e>
+                          <m:sup>
+                            <m:r>
+                              <a:rPr lang="en-US" sz="2400" b="0" i="1" smtClean="0">
+                                <a:latin typeface="Cambria Math" panose="02040503050406030204" pitchFamily="18" charset="0"/>
+                              </a:rPr>
+                              <m:t>′</m:t>
+                            </m:r>
+                          </m:sup>
+                        </m:sSup>
+                      </m:e>
+                      <m:e>
+                        <m:r>
+                          <a:rPr lang="en-US" sz="2400" b="0" i="1" smtClean="0">
+                            <a:latin typeface="Cambria Math" panose="02040503050406030204" pitchFamily="18" charset="0"/>
+                          </a:rPr>
+                          <m:t>𝑠</m:t>
+                        </m:r>
+                        <m:r>
+                          <a:rPr lang="en-US" sz="2400" b="0" i="1" smtClean="0">
+                            <a:latin typeface="Cambria Math" panose="02040503050406030204" pitchFamily="18" charset="0"/>
+                          </a:rPr>
+                          <m:t>,</m:t>
+                        </m:r>
+                        <m:r>
+                          <a:rPr lang="en-US" sz="2400" b="0" i="1" smtClean="0">
+                            <a:latin typeface="Cambria Math" panose="02040503050406030204" pitchFamily="18" charset="0"/>
+                          </a:rPr>
+                          <m:t>𝑎</m:t>
+                        </m:r>
+                      </m:e>
+                    </m:d>
+                    <m:r>
+                      <a:rPr lang="en-US" sz="2400" b="0" i="1" smtClean="0">
+                        <a:latin typeface="Cambria Math" panose="02040503050406030204" pitchFamily="18" charset="0"/>
+                      </a:rPr>
+                      <m:t>= </m:t>
+                    </m:r>
+                    <m:r>
+                      <a:rPr lang="en-US" sz="2400" b="0" i="1" smtClean="0">
+                        <a:latin typeface="Cambria Math" panose="02040503050406030204" pitchFamily="18" charset="0"/>
+                      </a:rPr>
                       <m:t>𝑁</m:t>
                     </m:r>
                     <m:r>
@@ -32422,7 +32486,7 @@
             </p:txBody>
           </p:sp>
         </mc:Choice>
-        <mc:Fallback xmlns="">
+        <mc:Fallback>
           <p:sp>
             <p:nvSpPr>
               <p:cNvPr id="4" name="TextBox 3">
@@ -32439,8 +32503,8 @@
             </p:nvSpPr>
             <p:spPr>
               <a:xfrm>
-                <a:off x="953021" y="1726643"/>
-                <a:ext cx="10285958" cy="4578369"/>
+                <a:off x="1098878" y="1726643"/>
+                <a:ext cx="9609232" cy="4578369"/>
               </a:xfrm>
               <a:prstGeom prst="rect">
                 <a:avLst/>
@@ -35211,8 +35275,8 @@
         </p:nvSpPr>
         <p:spPr>
           <a:xfrm>
-            <a:off x="503199" y="397948"/>
-            <a:ext cx="11167433" cy="739489"/>
+            <a:off x="3674256" y="275240"/>
+            <a:ext cx="4843488" cy="739489"/>
           </a:xfrm>
         </p:spPr>
         <p:txBody>
@@ -35251,7 +35315,7 @@
         </p:blipFill>
         <p:spPr>
           <a:xfrm>
-            <a:off x="2880253" y="1333500"/>
+            <a:off x="4858343" y="1333500"/>
             <a:ext cx="6431493" cy="5126552"/>
           </a:xfrm>
           <a:prstGeom prst="rect">
@@ -35259,6 +35323,182 @@
           </a:prstGeom>
         </p:spPr>
       </p:pic>
+      <p:sp>
+        <p:nvSpPr>
+          <p:cNvPr id="3" name="TextBox 2">
+            <a:extLst>
+              <a:ext uri="{FF2B5EF4-FFF2-40B4-BE49-F238E27FC236}">
+                <a16:creationId xmlns:a16="http://schemas.microsoft.com/office/drawing/2014/main" id="{26187582-D323-4EBC-BD09-584C9FFFF901}"/>
+              </a:ext>
+            </a:extLst>
+          </p:cNvPr>
+          <p:cNvSpPr txBox="1"/>
+          <p:nvPr/>
+        </p:nvSpPr>
+        <p:spPr>
+          <a:xfrm>
+            <a:off x="398310" y="4268402"/>
+            <a:ext cx="3610284" cy="523220"/>
+          </a:xfrm>
+          <a:prstGeom prst="rect">
+            <a:avLst/>
+          </a:prstGeom>
+          <a:noFill/>
+        </p:spPr>
+        <p:txBody>
+          <a:bodyPr wrap="none" rtlCol="0">
+            <a:spAutoFit/>
+          </a:bodyPr>
+          <a:lstStyle/>
+          <a:p>
+            <a:pPr algn="l"/>
+            <a:r>
+              <a:rPr lang="en-US" sz="2800" b="1" dirty="0"/>
+              <a:t>Step 1: Learn Model</a:t>
+            </a:r>
+          </a:p>
+        </p:txBody>
+      </p:sp>
+      <p:sp>
+        <p:nvSpPr>
+          <p:cNvPr id="5" name="TextBox 4">
+            <a:extLst>
+              <a:ext uri="{FF2B5EF4-FFF2-40B4-BE49-F238E27FC236}">
+                <a16:creationId xmlns:a16="http://schemas.microsoft.com/office/drawing/2014/main" id="{C808DBD2-A069-4EBC-BB6C-5B7CCA56EA4C}"/>
+              </a:ext>
+            </a:extLst>
+          </p:cNvPr>
+          <p:cNvSpPr txBox="1"/>
+          <p:nvPr/>
+        </p:nvSpPr>
+        <p:spPr>
+          <a:xfrm>
+            <a:off x="398310" y="5654393"/>
+            <a:ext cx="3256020" cy="523220"/>
+          </a:xfrm>
+          <a:prstGeom prst="rect">
+            <a:avLst/>
+          </a:prstGeom>
+          <a:noFill/>
+        </p:spPr>
+        <p:txBody>
+          <a:bodyPr wrap="none" rtlCol="0">
+            <a:spAutoFit/>
+          </a:bodyPr>
+          <a:lstStyle/>
+          <a:p>
+            <a:pPr algn="l"/>
+            <a:r>
+              <a:rPr lang="en-US" sz="2800" b="1" dirty="0"/>
+              <a:t>Step 2: Solve MDP</a:t>
+            </a:r>
+          </a:p>
+        </p:txBody>
+      </p:sp>
+      <p:sp>
+        <p:nvSpPr>
+          <p:cNvPr id="23" name="Left Brace 22">
+            <a:extLst>
+              <a:ext uri="{FF2B5EF4-FFF2-40B4-BE49-F238E27FC236}">
+                <a16:creationId xmlns:a16="http://schemas.microsoft.com/office/drawing/2014/main" id="{824D10EB-42CD-4E67-9872-674217D16EA2}"/>
+              </a:ext>
+            </a:extLst>
+          </p:cNvPr>
+          <p:cNvSpPr/>
+          <p:nvPr/>
+        </p:nvSpPr>
+        <p:spPr>
+          <a:xfrm>
+            <a:off x="4008594" y="4105469"/>
+            <a:ext cx="647381" cy="849086"/>
+          </a:xfrm>
+          <a:prstGeom prst="leftBrace">
+            <a:avLst>
+              <a:gd name="adj1" fmla="val 8333"/>
+              <a:gd name="adj2" fmla="val 48352"/>
+            </a:avLst>
+          </a:prstGeom>
+          <a:ln w="31750">
+            <a:solidFill>
+              <a:schemeClr val="tx1"/>
+            </a:solidFill>
+          </a:ln>
+        </p:spPr>
+        <p:style>
+          <a:lnRef idx="1">
+            <a:schemeClr val="accent1"/>
+          </a:lnRef>
+          <a:fillRef idx="0">
+            <a:schemeClr val="accent1"/>
+          </a:fillRef>
+          <a:effectRef idx="0">
+            <a:schemeClr val="accent1"/>
+          </a:effectRef>
+          <a:fontRef idx="minor">
+            <a:schemeClr val="tx1"/>
+          </a:fontRef>
+        </p:style>
+        <p:txBody>
+          <a:bodyPr rtlCol="0" anchor="ctr"/>
+          <a:lstStyle/>
+          <a:p>
+            <a:pPr algn="ctr"/>
+            <a:endParaRPr lang="en-US"/>
+          </a:p>
+        </p:txBody>
+      </p:sp>
+      <p:sp>
+        <p:nvSpPr>
+          <p:cNvPr id="24" name="Left Brace 23">
+            <a:extLst>
+              <a:ext uri="{FF2B5EF4-FFF2-40B4-BE49-F238E27FC236}">
+                <a16:creationId xmlns:a16="http://schemas.microsoft.com/office/drawing/2014/main" id="{492BB101-C003-4107-839F-A901A6B1F019}"/>
+              </a:ext>
+            </a:extLst>
+          </p:cNvPr>
+          <p:cNvSpPr/>
+          <p:nvPr/>
+        </p:nvSpPr>
+        <p:spPr>
+          <a:xfrm>
+            <a:off x="4008593" y="5592096"/>
+            <a:ext cx="647381" cy="647815"/>
+          </a:xfrm>
+          <a:prstGeom prst="leftBrace">
+            <a:avLst>
+              <a:gd name="adj1" fmla="val 8333"/>
+              <a:gd name="adj2" fmla="val 48352"/>
+            </a:avLst>
+          </a:prstGeom>
+          <a:ln w="31750">
+            <a:solidFill>
+              <a:schemeClr val="tx1"/>
+            </a:solidFill>
+          </a:ln>
+        </p:spPr>
+        <p:style>
+          <a:lnRef idx="1">
+            <a:schemeClr val="accent1"/>
+          </a:lnRef>
+          <a:fillRef idx="0">
+            <a:schemeClr val="accent1"/>
+          </a:fillRef>
+          <a:effectRef idx="0">
+            <a:schemeClr val="accent1"/>
+          </a:effectRef>
+          <a:fontRef idx="minor">
+            <a:schemeClr val="tx1"/>
+          </a:fontRef>
+        </p:style>
+        <p:txBody>
+          <a:bodyPr rtlCol="0" anchor="ctr"/>
+          <a:lstStyle/>
+          <a:p>
+            <a:pPr algn="ctr"/>
+            <a:endParaRPr lang="en-US"/>
+          </a:p>
+        </p:txBody>
+      </p:sp>
     </p:spTree>
     <p:extLst>
       <p:ext uri="{BB962C8B-B14F-4D97-AF65-F5344CB8AC3E}">
